--- a/slides/cds431_week5_1.pptx
+++ b/slides/cds431_week5_1.pptx
@@ -8362,7 +8362,7 @@
           <a:p>
             <a:fld id="{3957E4E1-7DC0-9249-9DFC-988CC734D4A7}" type="datetimeFigureOut">
               <a:rPr lang="en-US" smtClean="0"/>
-              <a:t>1/11/22</a:t>
+              <a:t>1/14/22</a:t>
             </a:fld>
             <a:endParaRPr lang="en-US"/>
           </a:p>
@@ -10216,7 +10216,7 @@
           <a:p>
             <a:fld id="{004A2402-5906-C948-B9C5-E1A0F27D39E1}" type="datetimeFigureOut">
               <a:rPr lang="en-US" smtClean="0"/>
-              <a:t>1/11/22</a:t>
+              <a:t>1/14/22</a:t>
             </a:fld>
             <a:endParaRPr lang="en-US"/>
           </a:p>
@@ -10414,7 +10414,7 @@
           <a:p>
             <a:fld id="{004A2402-5906-C948-B9C5-E1A0F27D39E1}" type="datetimeFigureOut">
               <a:rPr lang="en-US" smtClean="0"/>
-              <a:t>1/11/22</a:t>
+              <a:t>1/14/22</a:t>
             </a:fld>
             <a:endParaRPr lang="en-US"/>
           </a:p>
@@ -10622,7 +10622,7 @@
           <a:p>
             <a:fld id="{004A2402-5906-C948-B9C5-E1A0F27D39E1}" type="datetimeFigureOut">
               <a:rPr lang="en-US" smtClean="0"/>
-              <a:t>1/11/22</a:t>
+              <a:t>1/14/22</a:t>
             </a:fld>
             <a:endParaRPr lang="en-US"/>
           </a:p>
@@ -10820,7 +10820,7 @@
           <a:p>
             <a:fld id="{004A2402-5906-C948-B9C5-E1A0F27D39E1}" type="datetimeFigureOut">
               <a:rPr lang="en-US" smtClean="0"/>
-              <a:t>1/11/22</a:t>
+              <a:t>1/14/22</a:t>
             </a:fld>
             <a:endParaRPr lang="en-US"/>
           </a:p>
@@ -11095,7 +11095,7 @@
           <a:p>
             <a:fld id="{004A2402-5906-C948-B9C5-E1A0F27D39E1}" type="datetimeFigureOut">
               <a:rPr lang="en-US" smtClean="0"/>
-              <a:t>1/11/22</a:t>
+              <a:t>1/14/22</a:t>
             </a:fld>
             <a:endParaRPr lang="en-US"/>
           </a:p>
@@ -11360,7 +11360,7 @@
           <a:p>
             <a:fld id="{004A2402-5906-C948-B9C5-E1A0F27D39E1}" type="datetimeFigureOut">
               <a:rPr lang="en-US" smtClean="0"/>
-              <a:t>1/11/22</a:t>
+              <a:t>1/14/22</a:t>
             </a:fld>
             <a:endParaRPr lang="en-US"/>
           </a:p>
@@ -11772,7 +11772,7 @@
           <a:p>
             <a:fld id="{004A2402-5906-C948-B9C5-E1A0F27D39E1}" type="datetimeFigureOut">
               <a:rPr lang="en-US" smtClean="0"/>
-              <a:t>1/11/22</a:t>
+              <a:t>1/14/22</a:t>
             </a:fld>
             <a:endParaRPr lang="en-US"/>
           </a:p>
@@ -11913,7 +11913,7 @@
           <a:p>
             <a:fld id="{004A2402-5906-C948-B9C5-E1A0F27D39E1}" type="datetimeFigureOut">
               <a:rPr lang="en-US" smtClean="0"/>
-              <a:t>1/11/22</a:t>
+              <a:t>1/14/22</a:t>
             </a:fld>
             <a:endParaRPr lang="en-US"/>
           </a:p>
@@ -12026,7 +12026,7 @@
           <a:p>
             <a:fld id="{004A2402-5906-C948-B9C5-E1A0F27D39E1}" type="datetimeFigureOut">
               <a:rPr lang="en-US" smtClean="0"/>
-              <a:t>1/11/22</a:t>
+              <a:t>1/14/22</a:t>
             </a:fld>
             <a:endParaRPr lang="en-US"/>
           </a:p>
@@ -12337,7 +12337,7 @@
           <a:p>
             <a:fld id="{004A2402-5906-C948-B9C5-E1A0F27D39E1}" type="datetimeFigureOut">
               <a:rPr lang="en-US" smtClean="0"/>
-              <a:t>1/11/22</a:t>
+              <a:t>1/14/22</a:t>
             </a:fld>
             <a:endParaRPr lang="en-US"/>
           </a:p>
@@ -12625,7 +12625,7 @@
           <a:p>
             <a:fld id="{004A2402-5906-C948-B9C5-E1A0F27D39E1}" type="datetimeFigureOut">
               <a:rPr lang="en-US" smtClean="0"/>
-              <a:t>1/11/22</a:t>
+              <a:t>1/14/22</a:t>
             </a:fld>
             <a:endParaRPr lang="en-US"/>
           </a:p>
@@ -12896,7 +12896,7 @@
           <a:p>
             <a:fld id="{004A2402-5906-C948-B9C5-E1A0F27D39E1}" type="datetimeFigureOut">
               <a:rPr lang="en-US" smtClean="0"/>
-              <a:t>1/11/22</a:t>
+              <a:t>1/14/22</a:t>
             </a:fld>
             <a:endParaRPr lang="en-US"/>
           </a:p>
@@ -19081,8 +19081,8 @@
         </p:nvSpPr>
         <p:spPr>
           <a:xfrm>
-            <a:off x="1691426" y="107549"/>
-            <a:ext cx="8347925" cy="1325563"/>
+            <a:off x="846667" y="107549"/>
+            <a:ext cx="10442222" cy="1325563"/>
           </a:xfrm>
         </p:spPr>
         <p:txBody>
@@ -19108,13 +19108,13 @@
         </p:nvSpPr>
         <p:spPr>
           <a:xfrm>
-            <a:off x="1691425" y="1172231"/>
-            <a:ext cx="8693240" cy="5434631"/>
+            <a:off x="733778" y="1315820"/>
+            <a:ext cx="9650888" cy="5434631"/>
           </a:xfrm>
         </p:spPr>
         <p:txBody>
           <a:bodyPr>
-            <a:normAutofit lnSpcReduction="10000"/>
+            <a:normAutofit/>
           </a:bodyPr>
           <a:lstStyle/>
           <a:p>

--- a/slides/cds431_week5_1.pptx
+++ b/slides/cds431_week5_1.pptx
@@ -5,7 +5,7 @@
     <p:sldMasterId id="2147483648" r:id="rId1"/>
   </p:sldMasterIdLst>
   <p:notesMasterIdLst>
-    <p:notesMasterId r:id="rId21"/>
+    <p:notesMasterId r:id="rId24"/>
   </p:notesMasterIdLst>
   <p:sldIdLst>
     <p:sldId id="402" r:id="rId2"/>
@@ -27,6 +27,9 @@
     <p:sldId id="506" r:id="rId18"/>
     <p:sldId id="567" r:id="rId19"/>
     <p:sldId id="501" r:id="rId20"/>
+    <p:sldId id="601" r:id="rId21"/>
+    <p:sldId id="602" r:id="rId22"/>
+    <p:sldId id="445" r:id="rId23"/>
   </p:sldIdLst>
   <p:sldSz cx="12192000" cy="6858000"/>
   <p:notesSz cx="6858000" cy="9144000"/>
@@ -2874,7 +2877,7 @@
           <a:p>
             <a:fld id="{617F6FDD-6C1B-D144-BF76-4D67B61719CD}" type="datetimeFigureOut">
               <a:rPr lang="en-US" smtClean="0"/>
-              <a:t>4/14/22</a:t>
+              <a:t>4/24/22</a:t>
             </a:fld>
             <a:endParaRPr lang="en-US"/>
           </a:p>
@@ -4320,7 +4323,7 @@
           <a:p>
             <a:fld id="{BF98EFA3-1294-7946-9C07-A90F83902AA2}" type="datetimeFigureOut">
               <a:rPr lang="en-US" smtClean="0"/>
-              <a:t>4/14/22</a:t>
+              <a:t>4/24/22</a:t>
             </a:fld>
             <a:endParaRPr lang="en-US"/>
           </a:p>
@@ -4518,7 +4521,7 @@
           <a:p>
             <a:fld id="{BF98EFA3-1294-7946-9C07-A90F83902AA2}" type="datetimeFigureOut">
               <a:rPr lang="en-US" smtClean="0"/>
-              <a:t>4/14/22</a:t>
+              <a:t>4/24/22</a:t>
             </a:fld>
             <a:endParaRPr lang="en-US"/>
           </a:p>
@@ -4726,7 +4729,7 @@
           <a:p>
             <a:fld id="{BF98EFA3-1294-7946-9C07-A90F83902AA2}" type="datetimeFigureOut">
               <a:rPr lang="en-US" smtClean="0"/>
-              <a:t>4/14/22</a:t>
+              <a:t>4/24/22</a:t>
             </a:fld>
             <a:endParaRPr lang="en-US"/>
           </a:p>
@@ -4924,7 +4927,7 @@
           <a:p>
             <a:fld id="{BF98EFA3-1294-7946-9C07-A90F83902AA2}" type="datetimeFigureOut">
               <a:rPr lang="en-US" smtClean="0"/>
-              <a:t>4/14/22</a:t>
+              <a:t>4/24/22</a:t>
             </a:fld>
             <a:endParaRPr lang="en-US"/>
           </a:p>
@@ -5199,7 +5202,7 @@
           <a:p>
             <a:fld id="{BF98EFA3-1294-7946-9C07-A90F83902AA2}" type="datetimeFigureOut">
               <a:rPr lang="en-US" smtClean="0"/>
-              <a:t>4/14/22</a:t>
+              <a:t>4/24/22</a:t>
             </a:fld>
             <a:endParaRPr lang="en-US"/>
           </a:p>
@@ -5464,7 +5467,7 @@
           <a:p>
             <a:fld id="{BF98EFA3-1294-7946-9C07-A90F83902AA2}" type="datetimeFigureOut">
               <a:rPr lang="en-US" smtClean="0"/>
-              <a:t>4/14/22</a:t>
+              <a:t>4/24/22</a:t>
             </a:fld>
             <a:endParaRPr lang="en-US"/>
           </a:p>
@@ -5876,7 +5879,7 @@
           <a:p>
             <a:fld id="{BF98EFA3-1294-7946-9C07-A90F83902AA2}" type="datetimeFigureOut">
               <a:rPr lang="en-US" smtClean="0"/>
-              <a:t>4/14/22</a:t>
+              <a:t>4/24/22</a:t>
             </a:fld>
             <a:endParaRPr lang="en-US"/>
           </a:p>
@@ -6017,7 +6020,7 @@
           <a:p>
             <a:fld id="{BF98EFA3-1294-7946-9C07-A90F83902AA2}" type="datetimeFigureOut">
               <a:rPr lang="en-US" smtClean="0"/>
-              <a:t>4/14/22</a:t>
+              <a:t>4/24/22</a:t>
             </a:fld>
             <a:endParaRPr lang="en-US"/>
           </a:p>
@@ -6130,7 +6133,7 @@
           <a:p>
             <a:fld id="{BF98EFA3-1294-7946-9C07-A90F83902AA2}" type="datetimeFigureOut">
               <a:rPr lang="en-US" smtClean="0"/>
-              <a:t>4/14/22</a:t>
+              <a:t>4/24/22</a:t>
             </a:fld>
             <a:endParaRPr lang="en-US"/>
           </a:p>
@@ -6441,7 +6444,7 @@
           <a:p>
             <a:fld id="{BF98EFA3-1294-7946-9C07-A90F83902AA2}" type="datetimeFigureOut">
               <a:rPr lang="en-US" smtClean="0"/>
-              <a:t>4/14/22</a:t>
+              <a:t>4/24/22</a:t>
             </a:fld>
             <a:endParaRPr lang="en-US"/>
           </a:p>
@@ -6729,7 +6732,7 @@
           <a:p>
             <a:fld id="{BF98EFA3-1294-7946-9C07-A90F83902AA2}" type="datetimeFigureOut">
               <a:rPr lang="en-US" smtClean="0"/>
-              <a:t>4/14/22</a:t>
+              <a:t>4/24/22</a:t>
             </a:fld>
             <a:endParaRPr lang="en-US"/>
           </a:p>
@@ -7000,7 +7003,7 @@
           <a:p>
             <a:fld id="{BF98EFA3-1294-7946-9C07-A90F83902AA2}" type="datetimeFigureOut">
               <a:rPr lang="en-US" smtClean="0"/>
-              <a:t>4/14/22</a:t>
+              <a:t>4/24/22</a:t>
             </a:fld>
             <a:endParaRPr lang="en-US"/>
           </a:p>
@@ -10258,6 +10261,390 @@
         <p14:creationId xmlns:p14="http://schemas.microsoft.com/office/powerpoint/2010/main" val="3654060847"/>
       </p:ext>
     </p:extLst>
+  </p:cSld>
+  <p:clrMapOvr>
+    <a:masterClrMapping/>
+  </p:clrMapOvr>
+</p:sld>
+</file>
+
+<file path=ppt/slides/slide20.xml><?xml version="1.0" encoding="utf-8"?>
+<p:sld xmlns:a="http://schemas.openxmlformats.org/drawingml/2006/main" xmlns:r="http://schemas.openxmlformats.org/officeDocument/2006/relationships" xmlns:p="http://schemas.openxmlformats.org/presentationml/2006/main">
+  <p:cSld>
+    <p:spTree>
+      <p:nvGrpSpPr>
+        <p:cNvPr id="1" name=""/>
+        <p:cNvGrpSpPr/>
+        <p:nvPr/>
+      </p:nvGrpSpPr>
+      <p:grpSpPr>
+        <a:xfrm>
+          <a:off x="0" y="0"/>
+          <a:ext cx="0" cy="0"/>
+          <a:chOff x="0" y="0"/>
+          <a:chExt cx="0" cy="0"/>
+        </a:xfrm>
+      </p:grpSpPr>
+      <p:pic>
+        <p:nvPicPr>
+          <p:cNvPr id="2" name="Picture 1">
+            <a:extLst>
+              <a:ext uri="{FF2B5EF4-FFF2-40B4-BE49-F238E27FC236}">
+                <a16:creationId xmlns:a16="http://schemas.microsoft.com/office/drawing/2014/main" id="{E43A61A7-F15D-DE93-CDEF-AD6F753FD469}"/>
+              </a:ext>
+            </a:extLst>
+          </p:cNvPr>
+          <p:cNvPicPr>
+            <a:picLocks noChangeAspect="1"/>
+          </p:cNvPicPr>
+          <p:nvPr/>
+        </p:nvPicPr>
+        <p:blipFill>
+          <a:blip r:embed="rId2">
+            <a:extLst>
+              <a:ext uri="{28A0092B-C50C-407E-A947-70E740481C1C}">
+                <a14:useLocalDpi xmlns:a14="http://schemas.microsoft.com/office/drawing/2010/main" val="0"/>
+              </a:ext>
+            </a:extLst>
+          </a:blip>
+          <a:srcRect/>
+          <a:stretch>
+            <a:fillRect/>
+          </a:stretch>
+        </p:blipFill>
+        <p:spPr bwMode="auto">
+          <a:xfrm>
+            <a:off x="1262744" y="195335"/>
+            <a:ext cx="9114970" cy="6441688"/>
+          </a:xfrm>
+          <a:prstGeom prst="rect">
+            <a:avLst/>
+          </a:prstGeom>
+          <a:noFill/>
+          <a:ln>
+            <a:noFill/>
+          </a:ln>
+          <a:extLst>
+            <a:ext uri="{909E8E84-426E-40DD-AFC4-6F175D3DCCD1}">
+              <a14:hiddenFill xmlns:a14="http://schemas.microsoft.com/office/drawing/2010/main">
+                <a:solidFill>
+                  <a:srgbClr val="FFFFFF"/>
+                </a:solidFill>
+              </a14:hiddenFill>
+            </a:ext>
+            <a:ext uri="{91240B29-F687-4F45-9708-019B960494DF}">
+              <a14:hiddenLine xmlns:a14="http://schemas.microsoft.com/office/drawing/2010/main" w="9525">
+                <a:solidFill>
+                  <a:srgbClr val="000000"/>
+                </a:solidFill>
+                <a:miter lim="800000"/>
+                <a:headEnd/>
+                <a:tailEnd/>
+              </a14:hiddenLine>
+            </a:ext>
+          </a:extLst>
+        </p:spPr>
+      </p:pic>
+    </p:spTree>
+    <p:extLst>
+      <p:ext uri="{BB962C8B-B14F-4D97-AF65-F5344CB8AC3E}">
+        <p14:creationId xmlns:p14="http://schemas.microsoft.com/office/powerpoint/2010/main" val="1077534078"/>
+      </p:ext>
+    </p:extLst>
+  </p:cSld>
+  <p:clrMapOvr>
+    <a:masterClrMapping/>
+  </p:clrMapOvr>
+</p:sld>
+</file>
+
+<file path=ppt/slides/slide21.xml><?xml version="1.0" encoding="utf-8"?>
+<p:sld xmlns:a="http://schemas.openxmlformats.org/drawingml/2006/main" xmlns:r="http://schemas.openxmlformats.org/officeDocument/2006/relationships" xmlns:p="http://schemas.openxmlformats.org/presentationml/2006/main">
+  <p:cSld>
+    <p:spTree>
+      <p:nvGrpSpPr>
+        <p:cNvPr id="1" name=""/>
+        <p:cNvGrpSpPr/>
+        <p:nvPr/>
+      </p:nvGrpSpPr>
+      <p:grpSpPr>
+        <a:xfrm>
+          <a:off x="0" y="0"/>
+          <a:ext cx="0" cy="0"/>
+          <a:chOff x="0" y="0"/>
+          <a:chExt cx="0" cy="0"/>
+        </a:xfrm>
+      </p:grpSpPr>
+      <p:pic>
+        <p:nvPicPr>
+          <p:cNvPr id="2" name="Picture 1">
+            <a:extLst>
+              <a:ext uri="{FF2B5EF4-FFF2-40B4-BE49-F238E27FC236}">
+                <a16:creationId xmlns:a16="http://schemas.microsoft.com/office/drawing/2014/main" id="{26070AD1-5F5D-8203-0FB2-6913F14AB9F0}"/>
+              </a:ext>
+            </a:extLst>
+          </p:cNvPr>
+          <p:cNvPicPr>
+            <a:picLocks noChangeAspect="1"/>
+          </p:cNvPicPr>
+          <p:nvPr/>
+        </p:nvPicPr>
+        <p:blipFill>
+          <a:blip r:embed="rId2">
+            <a:extLst>
+              <a:ext uri="{28A0092B-C50C-407E-A947-70E740481C1C}">
+                <a14:useLocalDpi xmlns:a14="http://schemas.microsoft.com/office/drawing/2010/main" val="0"/>
+              </a:ext>
+            </a:extLst>
+          </a:blip>
+          <a:srcRect/>
+          <a:stretch>
+            <a:fillRect/>
+          </a:stretch>
+        </p:blipFill>
+        <p:spPr bwMode="auto">
+          <a:xfrm>
+            <a:off x="554455" y="375540"/>
+            <a:ext cx="11083089" cy="6106920"/>
+          </a:xfrm>
+          <a:prstGeom prst="rect">
+            <a:avLst/>
+          </a:prstGeom>
+          <a:noFill/>
+          <a:ln>
+            <a:noFill/>
+          </a:ln>
+          <a:extLst>
+            <a:ext uri="{909E8E84-426E-40DD-AFC4-6F175D3DCCD1}">
+              <a14:hiddenFill xmlns:a14="http://schemas.microsoft.com/office/drawing/2010/main">
+                <a:solidFill>
+                  <a:srgbClr val="FFFFFF"/>
+                </a:solidFill>
+              </a14:hiddenFill>
+            </a:ext>
+            <a:ext uri="{91240B29-F687-4F45-9708-019B960494DF}">
+              <a14:hiddenLine xmlns:a14="http://schemas.microsoft.com/office/drawing/2010/main" w="9525">
+                <a:solidFill>
+                  <a:srgbClr val="000000"/>
+                </a:solidFill>
+                <a:miter lim="800000"/>
+                <a:headEnd/>
+                <a:tailEnd/>
+              </a14:hiddenLine>
+            </a:ext>
+          </a:extLst>
+        </p:spPr>
+      </p:pic>
+    </p:spTree>
+    <p:extLst>
+      <p:ext uri="{BB962C8B-B14F-4D97-AF65-F5344CB8AC3E}">
+        <p14:creationId xmlns:p14="http://schemas.microsoft.com/office/powerpoint/2010/main" val="3112418190"/>
+      </p:ext>
+    </p:extLst>
+  </p:cSld>
+  <p:clrMapOvr>
+    <a:masterClrMapping/>
+  </p:clrMapOvr>
+</p:sld>
+</file>
+
+<file path=ppt/slides/slide22.xml><?xml version="1.0" encoding="utf-8"?>
+<p:sld xmlns:a="http://schemas.openxmlformats.org/drawingml/2006/main" xmlns:r="http://schemas.openxmlformats.org/officeDocument/2006/relationships" xmlns:p="http://schemas.openxmlformats.org/presentationml/2006/main">
+  <p:cSld>
+    <p:spTree>
+      <p:nvGrpSpPr>
+        <p:cNvPr id="1" name=""/>
+        <p:cNvGrpSpPr/>
+        <p:nvPr/>
+      </p:nvGrpSpPr>
+      <p:grpSpPr>
+        <a:xfrm>
+          <a:off x="0" y="0"/>
+          <a:ext cx="0" cy="0"/>
+          <a:chOff x="0" y="0"/>
+          <a:chExt cx="0" cy="0"/>
+        </a:xfrm>
+      </p:grpSpPr>
+      <p:sp>
+        <p:nvSpPr>
+          <p:cNvPr id="2" name="Title 1">
+            <a:extLst>
+              <a:ext uri="{FF2B5EF4-FFF2-40B4-BE49-F238E27FC236}">
+                <a16:creationId xmlns:a16="http://schemas.microsoft.com/office/drawing/2014/main" id="{987F740B-722F-442E-B500-4F2DA79DD26D}"/>
+              </a:ext>
+            </a:extLst>
+          </p:cNvPr>
+          <p:cNvSpPr>
+            <a:spLocks noGrp="1"/>
+          </p:cNvSpPr>
+          <p:nvPr>
+            <p:ph type="title"/>
+          </p:nvPr>
+        </p:nvSpPr>
+        <p:spPr>
+          <a:xfrm>
+            <a:off x="2209800" y="152400"/>
+            <a:ext cx="7772400" cy="1143000"/>
+          </a:xfrm>
+        </p:spPr>
+        <p:txBody>
+          <a:bodyPr>
+            <a:normAutofit/>
+          </a:bodyPr>
+          <a:lstStyle/>
+          <a:p>
+            <a:pPr>
+              <a:defRPr/>
+            </a:pPr>
+            <a:r>
+              <a:rPr lang="en-US" sz="3200" b="1" dirty="0">
+                <a:solidFill>
+                  <a:srgbClr val="FF0000"/>
+                </a:solidFill>
+                <a:effectLst>
+                  <a:outerShdw blurRad="38100" dist="38100" dir="2700000" algn="tl">
+                    <a:srgbClr val="000000">
+                      <a:alpha val="43137"/>
+                    </a:srgbClr>
+                  </a:outerShdw>
+                </a:effectLst>
+                <a:latin typeface="Calibri" panose="020F0502020204030204" pitchFamily="34" charset="0"/>
+              </a:rPr>
+              <a:t>Dissemination vs. Implementation Research</a:t>
+            </a:r>
+          </a:p>
+        </p:txBody>
+      </p:sp>
+      <p:sp>
+        <p:nvSpPr>
+          <p:cNvPr id="3" name="Content Placeholder 2">
+            <a:extLst>
+              <a:ext uri="{FF2B5EF4-FFF2-40B4-BE49-F238E27FC236}">
+                <a16:creationId xmlns:a16="http://schemas.microsoft.com/office/drawing/2014/main" id="{AEB32037-D23C-4BCE-8172-5EA779E6FFD7}"/>
+              </a:ext>
+            </a:extLst>
+          </p:cNvPr>
+          <p:cNvSpPr>
+            <a:spLocks noGrp="1"/>
+          </p:cNvSpPr>
+          <p:nvPr>
+            <p:ph idx="1"/>
+          </p:nvPr>
+        </p:nvSpPr>
+        <p:spPr>
+          <a:xfrm>
+            <a:off x="2057400" y="914400"/>
+            <a:ext cx="8305800" cy="5562600"/>
+          </a:xfrm>
+        </p:spPr>
+        <p:txBody>
+          <a:bodyPr>
+            <a:noAutofit/>
+          </a:bodyPr>
+          <a:lstStyle/>
+          <a:p>
+            <a:pPr marL="0" indent="0">
+              <a:buClr>
+                <a:srgbClr val="8CB64A"/>
+              </a:buClr>
+              <a:buNone/>
+              <a:defRPr/>
+            </a:pPr>
+            <a:endParaRPr lang="en-US" sz="2400" b="1" dirty="0"/>
+          </a:p>
+          <a:p>
+            <a:pPr>
+              <a:spcBef>
+                <a:spcPts val="1200"/>
+              </a:spcBef>
+              <a:buClr>
+                <a:schemeClr val="tx1"/>
+              </a:buClr>
+              <a:buFont typeface="Wingdings" panose="05000000000000000000" pitchFamily="2" charset="2"/>
+              <a:buChar char="§"/>
+              <a:defRPr/>
+            </a:pPr>
+            <a:r>
+              <a:rPr lang="en-US" dirty="0"/>
+              <a:t>The purpose of </a:t>
+            </a:r>
+            <a:r>
+              <a:rPr lang="en-US" i="1" dirty="0">
+                <a:solidFill>
+                  <a:srgbClr val="FF0000"/>
+                </a:solidFill>
+              </a:rPr>
+              <a:t>dissemination</a:t>
+            </a:r>
+            <a:r>
+              <a:rPr lang="en-US" dirty="0"/>
+              <a:t> research is to understand how best to spread and sustain EBPs.</a:t>
+            </a:r>
+          </a:p>
+          <a:p>
+            <a:pPr>
+              <a:spcBef>
+                <a:spcPts val="1200"/>
+              </a:spcBef>
+              <a:buClr>
+                <a:schemeClr val="tx1"/>
+              </a:buClr>
+              <a:buFont typeface="Wingdings" panose="05000000000000000000" pitchFamily="2" charset="2"/>
+              <a:buChar char="§"/>
+              <a:defRPr/>
+            </a:pPr>
+            <a:endParaRPr lang="en-US" dirty="0"/>
+          </a:p>
+          <a:p>
+            <a:pPr>
+              <a:spcBef>
+                <a:spcPts val="1200"/>
+              </a:spcBef>
+              <a:buClr>
+                <a:schemeClr val="tx1"/>
+              </a:buClr>
+              <a:buFont typeface="Wingdings" panose="05000000000000000000" pitchFamily="2" charset="2"/>
+              <a:buChar char="§"/>
+              <a:defRPr/>
+            </a:pPr>
+            <a:r>
+              <a:rPr lang="en-US" i="1" dirty="0">
+                <a:solidFill>
+                  <a:srgbClr val="FFF20D"/>
+                </a:solidFill>
+              </a:rPr>
+              <a:t>I</a:t>
+            </a:r>
+            <a:r>
+              <a:rPr lang="en-US" i="1" dirty="0">
+                <a:solidFill>
+                  <a:srgbClr val="FF0000"/>
+                </a:solidFill>
+              </a:rPr>
+              <a:t>mplementation</a:t>
+            </a:r>
+            <a:r>
+              <a:rPr lang="en-US" dirty="0"/>
+              <a:t> research improves participant outcomes and population health through strategical use of EBPs. </a:t>
+            </a:r>
+          </a:p>
+          <a:p>
+            <a:pPr>
+              <a:spcBef>
+                <a:spcPts val="1200"/>
+              </a:spcBef>
+              <a:buClr>
+                <a:schemeClr val="tx1"/>
+              </a:buClr>
+              <a:buFont typeface="Wingdings" panose="05000000000000000000" pitchFamily="2" charset="2"/>
+              <a:buChar char="§"/>
+              <a:defRPr/>
+            </a:pPr>
+            <a:endParaRPr lang="en-US" dirty="0"/>
+          </a:p>
+        </p:txBody>
+      </p:sp>
+    </p:spTree>
   </p:cSld>
   <p:clrMapOvr>
     <a:masterClrMapping/>
